--- a/Apresentação/SmartWallet.pptx
+++ b/Apresentação/SmartWallet.pptx
@@ -5,7 +5,7 @@
     <p:sldMasterId id="2147483648" r:id="rId1"/>
   </p:sldMasterIdLst>
   <p:notesMasterIdLst>
-    <p:notesMasterId r:id="rId14"/>
+    <p:notesMasterId r:id="rId15"/>
   </p:notesMasterIdLst>
   <p:sldIdLst>
     <p:sldId id="256" r:id="rId2"/>
@@ -14,12 +14,13 @@
     <p:sldId id="282" r:id="rId5"/>
     <p:sldId id="281" r:id="rId6"/>
     <p:sldId id="283" r:id="rId7"/>
-    <p:sldId id="286" r:id="rId8"/>
-    <p:sldId id="284" r:id="rId9"/>
-    <p:sldId id="285" r:id="rId10"/>
-    <p:sldId id="288" r:id="rId11"/>
-    <p:sldId id="287" r:id="rId12"/>
-    <p:sldId id="273" r:id="rId13"/>
+    <p:sldId id="289" r:id="rId8"/>
+    <p:sldId id="286" r:id="rId9"/>
+    <p:sldId id="284" r:id="rId10"/>
+    <p:sldId id="285" r:id="rId11"/>
+    <p:sldId id="288" r:id="rId12"/>
+    <p:sldId id="287" r:id="rId13"/>
+    <p:sldId id="273" r:id="rId14"/>
   </p:sldIdLst>
   <p:sldSz cx="9144000" cy="6858000" type="screen4x3"/>
   <p:notesSz cx="6858000" cy="9144000"/>
@@ -220,7 +221,7 @@
             <a:fld id="{E65332E2-DE7A-49A1-97D2-9B72A644634F}" type="datetimeFigureOut">
               <a:rPr lang="pt-BR" smtClean="0"/>
               <a:pPr/>
-              <a:t>07/04/2019</a:t>
+              <a:t>09/06/2019</a:t>
             </a:fld>
             <a:endParaRPr lang="pt-BR"/>
           </a:p>
@@ -734,7 +735,7 @@
             <a:fld id="{945303CF-C8B5-4254-9C52-C7C8203FE1A9}" type="datetime1">
               <a:rPr lang="pt-BR" smtClean="0"/>
               <a:pPr/>
-              <a:t>07/04/2019</a:t>
+              <a:t>09/06/2019</a:t>
             </a:fld>
             <a:endParaRPr lang="pt-BR"/>
           </a:p>
@@ -985,7 +986,7 @@
             <a:fld id="{D3C3A017-03AB-4BD7-8A6B-70CC93057FC6}" type="datetime1">
               <a:rPr lang="pt-BR" smtClean="0"/>
               <a:pPr/>
-              <a:t>07/04/2019</a:t>
+              <a:t>09/06/2019</a:t>
             </a:fld>
             <a:endParaRPr lang="pt-BR"/>
           </a:p>
@@ -1168,7 +1169,7 @@
             <a:fld id="{6D36B0D1-6353-4DC2-A4DB-9F0FB43CA6EE}" type="datetime1">
               <a:rPr lang="pt-BR" smtClean="0"/>
               <a:pPr/>
-              <a:t>07/04/2019</a:t>
+              <a:t>09/06/2019</a:t>
             </a:fld>
             <a:endParaRPr lang="pt-BR"/>
           </a:p>
@@ -1341,7 +1342,7 @@
             <a:fld id="{58F7EE7F-0D4A-4495-9B6C-7B7FD7F10403}" type="datetime1">
               <a:rPr lang="pt-BR" smtClean="0"/>
               <a:pPr/>
-              <a:t>07/04/2019</a:t>
+              <a:t>09/06/2019</a:t>
             </a:fld>
             <a:endParaRPr lang="pt-BR"/>
           </a:p>
@@ -1642,7 +1643,7 @@
             <a:fld id="{114BF021-4A41-4C93-9811-2BC47057A770}" type="datetime1">
               <a:rPr lang="pt-BR" smtClean="0"/>
               <a:pPr/>
-              <a:t>07/04/2019</a:t>
+              <a:t>09/06/2019</a:t>
             </a:fld>
             <a:endParaRPr lang="pt-BR"/>
           </a:p>
@@ -1988,7 +1989,7 @@
             <a:fld id="{AB302BC1-1592-40BE-B7DD-ABD2E49A15EF}" type="datetime1">
               <a:rPr lang="pt-BR" smtClean="0"/>
               <a:pPr/>
-              <a:t>07/04/2019</a:t>
+              <a:t>09/06/2019</a:t>
             </a:fld>
             <a:endParaRPr lang="pt-BR"/>
           </a:p>
@@ -2412,7 +2413,7 @@
             <a:fld id="{D3BE70E4-488E-410C-BBB9-9F9819B8EA9D}" type="datetime1">
               <a:rPr lang="pt-BR" smtClean="0"/>
               <a:pPr/>
-              <a:t>07/04/2019</a:t>
+              <a:t>09/06/2019</a:t>
             </a:fld>
             <a:endParaRPr lang="pt-BR"/>
           </a:p>
@@ -2534,7 +2535,7 @@
             <a:fld id="{D6B674CE-0BEF-41BF-9673-C45E801E9941}" type="datetime1">
               <a:rPr lang="pt-BR" smtClean="0"/>
               <a:pPr/>
-              <a:t>07/04/2019</a:t>
+              <a:t>09/06/2019</a:t>
             </a:fld>
             <a:endParaRPr lang="pt-BR"/>
           </a:p>
@@ -2684,7 +2685,7 @@
             <a:fld id="{92C3B878-FC1F-458C-A051-D24B94D2F2FC}" type="datetime1">
               <a:rPr lang="pt-BR" smtClean="0"/>
               <a:pPr/>
-              <a:t>07/04/2019</a:t>
+              <a:t>09/06/2019</a:t>
             </a:fld>
             <a:endParaRPr lang="pt-BR"/>
           </a:p>
@@ -3920,7 +3921,7 @@
             <a:fld id="{61C89868-1BB3-405F-A558-59A73EA5FB81}" type="datetime1">
               <a:rPr lang="pt-BR" smtClean="0"/>
               <a:pPr/>
-              <a:t>07/04/2019</a:t>
+              <a:t>09/06/2019</a:t>
             </a:fld>
             <a:endParaRPr lang="pt-BR"/>
           </a:p>
@@ -4177,7 +4178,7 @@
             <a:fld id="{8809CD0C-FC91-486A-A3D7-7EFD14DF5859}" type="datetime1">
               <a:rPr lang="pt-BR" smtClean="0"/>
               <a:pPr/>
-              <a:t>07/04/2019</a:t>
+              <a:t>09/06/2019</a:t>
             </a:fld>
             <a:endParaRPr lang="pt-BR"/>
           </a:p>
@@ -4655,7 +4656,7 @@
             <a:fld id="{BCC5C7F1-DAD9-46C8-A419-5A5C93A4C605}" type="datetime1">
               <a:rPr lang="pt-BR" smtClean="0"/>
               <a:pPr/>
-              <a:t>07/04/2019</a:t>
+              <a:t>09/06/2019</a:t>
             </a:fld>
             <a:endParaRPr lang="pt-BR"/>
           </a:p>
@@ -5154,6 +5155,36 @@
           <a:chExt cx="0" cy="0"/>
         </a:xfrm>
       </p:grpSpPr>
+      <p:pic>
+        <p:nvPicPr>
+          <p:cNvPr id="5" name="Imagem 4"/>
+          <p:cNvPicPr>
+            <a:picLocks noChangeAspect="1"/>
+          </p:cNvPicPr>
+          <p:nvPr/>
+        </p:nvPicPr>
+        <p:blipFill>
+          <a:blip r:embed="rId2">
+            <a:extLst>
+              <a:ext uri="{28A0092B-C50C-407E-A947-70E740481C1C}">
+                <a14:useLocalDpi xmlns:a14="http://schemas.microsoft.com/office/drawing/2010/main" val="0"/>
+              </a:ext>
+            </a:extLst>
+          </a:blip>
+          <a:stretch>
+            <a:fillRect/>
+          </a:stretch>
+        </p:blipFill>
+        <p:spPr>
+          <a:xfrm>
+            <a:off x="4096477" y="1417638"/>
+            <a:ext cx="2520280" cy="2520280"/>
+          </a:xfrm>
+          <a:prstGeom prst="rect">
+            <a:avLst/>
+          </a:prstGeom>
+        </p:spPr>
+      </p:pic>
       <p:sp>
         <p:nvSpPr>
           <p:cNvPr id="2" name="Título 1"/>
@@ -5172,7 +5203,7 @@
             <a:pPr algn="just"/>
             <a:r>
               <a:rPr lang="pt-BR" dirty="0" smtClean="0"/>
-              <a:t>Resultados Esperados</a:t>
+              <a:t>RFID</a:t>
             </a:r>
             <a:endParaRPr lang="pt-BR" dirty="0"/>
           </a:p>
@@ -5188,36 +5219,67 @@
             <p:ph idx="1"/>
           </p:nvPr>
         </p:nvSpPr>
-        <p:spPr/>
-        <p:txBody>
-          <a:bodyPr/>
-          <a:lstStyle/>
-          <a:p>
-            <a:r>
-              <a:rPr lang="pt-BR" dirty="0" smtClean="0"/>
-              <a:t>Conclusão do projeto</a:t>
-            </a:r>
-          </a:p>
-          <a:p>
-            <a:r>
-              <a:rPr lang="pt-BR" dirty="0" smtClean="0"/>
-              <a:t>Melhoramento ao longo do trabalho</a:t>
-            </a:r>
-          </a:p>
-          <a:p>
-            <a:r>
-              <a:rPr lang="pt-BR" dirty="0" smtClean="0"/>
-              <a:t>Apresentação ao publico</a:t>
-            </a:r>
-          </a:p>
-          <a:p>
-            <a:r>
-              <a:rPr lang="pt-BR" dirty="0" smtClean="0"/>
-              <a:t>Implementação real</a:t>
-            </a:r>
-          </a:p>
-          <a:p>
-            <a:endParaRPr lang="pt-BR" dirty="0"/>
+        <p:spPr>
+          <a:xfrm>
+            <a:off x="457200" y="1600200"/>
+            <a:ext cx="5266928" cy="4525963"/>
+          </a:xfrm>
+        </p:spPr>
+        <p:txBody>
+          <a:bodyPr>
+            <a:normAutofit/>
+          </a:bodyPr>
+          <a:lstStyle/>
+          <a:p>
+            <a:r>
+              <a:rPr lang="pt-BR" sz="2800" dirty="0" smtClean="0"/>
+              <a:t>“</a:t>
+            </a:r>
+            <a:r>
+              <a:rPr lang="pt-BR" sz="2800" i="1" dirty="0" smtClean="0"/>
+              <a:t>Radio </a:t>
+            </a:r>
+            <a:r>
+              <a:rPr lang="pt-BR" sz="2800" i="1" dirty="0"/>
+              <a:t>Frequency </a:t>
+            </a:r>
+            <a:r>
+              <a:rPr lang="pt-BR" sz="2800" i="1" dirty="0" smtClean="0"/>
+              <a:t>Identification</a:t>
+            </a:r>
+            <a:r>
+              <a:rPr lang="pt-BR" sz="2800" dirty="0" smtClean="0"/>
+              <a:t>”</a:t>
+            </a:r>
+          </a:p>
+          <a:p>
+            <a:r>
+              <a:rPr lang="pt-BR" sz="2800" dirty="0" smtClean="0"/>
+              <a:t>Identificador de Radiofrequências</a:t>
+            </a:r>
+          </a:p>
+          <a:p>
+            <a:r>
+              <a:rPr lang="pt-BR" sz="2800" dirty="0" smtClean="0"/>
+              <a:t>Inicio da IOT</a:t>
+            </a:r>
+          </a:p>
+          <a:p>
+            <a:r>
+              <a:rPr lang="pt-BR" sz="2800" dirty="0"/>
+              <a:t>M</a:t>
+            </a:r>
+            <a:r>
+              <a:rPr lang="pt-BR" sz="2800" dirty="0" smtClean="0"/>
+              <a:t>2M</a:t>
+            </a:r>
+          </a:p>
+          <a:p>
+            <a:r>
+              <a:rPr lang="pt-BR" sz="2800" dirty="0" smtClean="0"/>
+              <a:t>Industria 4.0</a:t>
+            </a:r>
+            <a:endParaRPr lang="pt-BR" sz="2800" dirty="0"/>
           </a:p>
         </p:txBody>
       </p:sp>
@@ -5245,10 +5307,40 @@
           </a:p>
         </p:txBody>
       </p:sp>
+      <p:pic>
+        <p:nvPicPr>
+          <p:cNvPr id="6" name="Imagem 5"/>
+          <p:cNvPicPr>
+            <a:picLocks noChangeAspect="1"/>
+          </p:cNvPicPr>
+          <p:nvPr/>
+        </p:nvPicPr>
+        <p:blipFill>
+          <a:blip r:embed="rId3">
+            <a:extLst>
+              <a:ext uri="{28A0092B-C50C-407E-A947-70E740481C1C}">
+                <a14:useLocalDpi xmlns:a14="http://schemas.microsoft.com/office/drawing/2010/main" val="0"/>
+              </a:ext>
+            </a:extLst>
+          </a:blip>
+          <a:stretch>
+            <a:fillRect/>
+          </a:stretch>
+        </p:blipFill>
+        <p:spPr>
+          <a:xfrm>
+            <a:off x="6160319" y="2560638"/>
+            <a:ext cx="2983681" cy="2983681"/>
+          </a:xfrm>
+          <a:prstGeom prst="rect">
+            <a:avLst/>
+          </a:prstGeom>
+        </p:spPr>
+      </p:pic>
     </p:spTree>
     <p:extLst>
       <p:ext uri="{BB962C8B-B14F-4D97-AF65-F5344CB8AC3E}">
-        <p14:creationId xmlns:p14="http://schemas.microsoft.com/office/powerpoint/2010/main" val="2955352967"/>
+        <p14:creationId xmlns:p14="http://schemas.microsoft.com/office/powerpoint/2010/main" val="2628033408"/>
       </p:ext>
     </p:extLst>
   </p:cSld>
@@ -5303,7 +5395,7 @@
             <a:pPr algn="just"/>
             <a:r>
               <a:rPr lang="pt-BR" dirty="0" smtClean="0"/>
-              <a:t>Conclusão</a:t>
+              <a:t>Resultados Esperados</a:t>
             </a:r>
             <a:endParaRPr lang="pt-BR" dirty="0"/>
           </a:p>
@@ -5326,25 +5418,25 @@
           <a:p>
             <a:r>
               <a:rPr lang="pt-BR" dirty="0" smtClean="0"/>
-              <a:t>Aprendizado de novas tecnologias</a:t>
+              <a:t>Conclusão do projeto</a:t>
             </a:r>
           </a:p>
           <a:p>
             <a:r>
               <a:rPr lang="pt-BR" dirty="0" smtClean="0"/>
-              <a:t>Estudo de um sistema de informação</a:t>
+              <a:t>Melhoramento ao longo do trabalho</a:t>
             </a:r>
           </a:p>
           <a:p>
             <a:r>
               <a:rPr lang="pt-BR" dirty="0" smtClean="0"/>
-              <a:t>Estudo empresarial</a:t>
+              <a:t>Apresentação ao publico</a:t>
             </a:r>
           </a:p>
           <a:p>
             <a:r>
               <a:rPr lang="pt-BR" dirty="0" smtClean="0"/>
-              <a:t>Agregação de valores</a:t>
+              <a:t>Implementação real</a:t>
             </a:r>
           </a:p>
           <a:p>
@@ -5371,6 +5463,137 @@
               <a:rPr lang="pt-BR" smtClean="0"/>
               <a:pPr/>
               <a:t>11</a:t>
+            </a:fld>
+            <a:endParaRPr lang="pt-BR"/>
+          </a:p>
+        </p:txBody>
+      </p:sp>
+    </p:spTree>
+    <p:extLst>
+      <p:ext uri="{BB962C8B-B14F-4D97-AF65-F5344CB8AC3E}">
+        <p14:creationId xmlns:p14="http://schemas.microsoft.com/office/powerpoint/2010/main" val="2955352967"/>
+      </p:ext>
+    </p:extLst>
+  </p:cSld>
+  <p:clrMapOvr>
+    <a:masterClrMapping/>
+  </p:clrMapOvr>
+  <p:transition spd="slow">
+    <p:pull/>
+  </p:transition>
+  <p:timing>
+    <p:tnLst>
+      <p:par>
+        <p:cTn id="1" dur="indefinite" restart="never" nodeType="tmRoot"/>
+      </p:par>
+    </p:tnLst>
+  </p:timing>
+</p:sld>
+</file>
+
+<file path=ppt/slides/slide12.xml><?xml version="1.0" encoding="utf-8"?>
+<p:sld xmlns:a="http://schemas.openxmlformats.org/drawingml/2006/main" xmlns:r="http://schemas.openxmlformats.org/officeDocument/2006/relationships" xmlns:p="http://schemas.openxmlformats.org/presentationml/2006/main">
+  <p:cSld>
+    <p:spTree>
+      <p:nvGrpSpPr>
+        <p:cNvPr id="1" name=""/>
+        <p:cNvGrpSpPr/>
+        <p:nvPr/>
+      </p:nvGrpSpPr>
+      <p:grpSpPr>
+        <a:xfrm>
+          <a:off x="0" y="0"/>
+          <a:ext cx="0" cy="0"/>
+          <a:chOff x="0" y="0"/>
+          <a:chExt cx="0" cy="0"/>
+        </a:xfrm>
+      </p:grpSpPr>
+      <p:sp>
+        <p:nvSpPr>
+          <p:cNvPr id="2" name="Título 1"/>
+          <p:cNvSpPr>
+            <a:spLocks noGrp="1"/>
+          </p:cNvSpPr>
+          <p:nvPr>
+            <p:ph type="title"/>
+          </p:nvPr>
+        </p:nvSpPr>
+        <p:spPr/>
+        <p:txBody>
+          <a:bodyPr/>
+          <a:lstStyle/>
+          <a:p>
+            <a:pPr algn="just"/>
+            <a:r>
+              <a:rPr lang="pt-BR" dirty="0" smtClean="0"/>
+              <a:t>Conclusão</a:t>
+            </a:r>
+            <a:endParaRPr lang="pt-BR" dirty="0"/>
+          </a:p>
+        </p:txBody>
+      </p:sp>
+      <p:sp>
+        <p:nvSpPr>
+          <p:cNvPr id="3" name="Espaço Reservado para Conteúdo 2"/>
+          <p:cNvSpPr>
+            <a:spLocks noGrp="1"/>
+          </p:cNvSpPr>
+          <p:nvPr>
+            <p:ph idx="1"/>
+          </p:nvPr>
+        </p:nvSpPr>
+        <p:spPr/>
+        <p:txBody>
+          <a:bodyPr/>
+          <a:lstStyle/>
+          <a:p>
+            <a:r>
+              <a:rPr lang="pt-BR" dirty="0" smtClean="0"/>
+              <a:t>Aprendizado de novas tecnologias</a:t>
+            </a:r>
+          </a:p>
+          <a:p>
+            <a:r>
+              <a:rPr lang="pt-BR" dirty="0" smtClean="0"/>
+              <a:t>Estudo de um sistema de informação</a:t>
+            </a:r>
+          </a:p>
+          <a:p>
+            <a:r>
+              <a:rPr lang="pt-BR" dirty="0" smtClean="0"/>
+              <a:t>Estudo empresarial</a:t>
+            </a:r>
+          </a:p>
+          <a:p>
+            <a:r>
+              <a:rPr lang="pt-BR" dirty="0" smtClean="0"/>
+              <a:t>Agregação de valores</a:t>
+            </a:r>
+          </a:p>
+          <a:p>
+            <a:endParaRPr lang="pt-BR" dirty="0"/>
+          </a:p>
+        </p:txBody>
+      </p:sp>
+      <p:sp>
+        <p:nvSpPr>
+          <p:cNvPr id="4" name="Espaço Reservado para Número de Slide 3"/>
+          <p:cNvSpPr>
+            <a:spLocks noGrp="1"/>
+          </p:cNvSpPr>
+          <p:nvPr>
+            <p:ph type="sldNum" sz="quarter" idx="12"/>
+          </p:nvPr>
+        </p:nvSpPr>
+        <p:spPr/>
+        <p:txBody>
+          <a:bodyPr/>
+          <a:lstStyle/>
+          <a:p>
+            <a:fld id="{A5BED599-E07B-4E8B-B60D-63AB2A48A85A}" type="slidenum">
+              <a:rPr lang="pt-BR" smtClean="0"/>
+              <a:pPr/>
+              <a:t>12</a:t>
             </a:fld>
             <a:endParaRPr lang="pt-BR"/>
           </a:p>
@@ -5429,7 +5652,7 @@
 </p:sld>
 </file>
 
-<file path=ppt/slides/slide12.xml><?xml version="1.0" encoding="utf-8"?>
+<file path=ppt/slides/slide13.xml><?xml version="1.0" encoding="utf-8"?>
 <p:sld xmlns:a="http://schemas.openxmlformats.org/drawingml/2006/main" xmlns:r="http://schemas.openxmlformats.org/officeDocument/2006/relationships" xmlns:p="http://schemas.openxmlformats.org/presentationml/2006/main">
   <p:cSld>
     <p:spTree>
@@ -5451,7 +5674,7 @@
           <p:cNvPr id="4" name="Título 3">
             <a:extLst>
               <a:ext uri="{FF2B5EF4-FFF2-40B4-BE49-F238E27FC236}">
-                <a16:creationId xmlns:a16="http://schemas.microsoft.com/office/drawing/2014/main" xmlns="" id="{E5C3191E-86A7-40D9-B742-3FFD2A498A7C}"/>
+                <a16:creationId xmlns="" xmlns:a16="http://schemas.microsoft.com/office/drawing/2014/main" id="{E5C3191E-86A7-40D9-B742-3FFD2A498A7C}"/>
               </a:ext>
             </a:extLst>
           </p:cNvPr>
@@ -5498,7 +5721,7 @@
             <a:fld id="{A5BED599-E07B-4E8B-B60D-63AB2A48A85A}" type="slidenum">
               <a:rPr lang="pt-BR" smtClean="0"/>
               <a:pPr/>
-              <a:t>12</a:t>
+              <a:t>13</a:t>
             </a:fld>
             <a:endParaRPr lang="pt-BR"/>
           </a:p>
@@ -5549,7 +5772,7 @@
           <p:cNvPr id="6" name="Título 5">
             <a:extLst>
               <a:ext uri="{FF2B5EF4-FFF2-40B4-BE49-F238E27FC236}">
-                <a16:creationId xmlns:a16="http://schemas.microsoft.com/office/drawing/2014/main" xmlns="" id="{DA2D9E59-E7D9-46C1-804D-5D31EAECE16C}"/>
+                <a16:creationId xmlns="" xmlns:a16="http://schemas.microsoft.com/office/drawing/2014/main" id="{DA2D9E59-E7D9-46C1-804D-5D31EAECE16C}"/>
               </a:ext>
             </a:extLst>
           </p:cNvPr>
@@ -5583,7 +5806,7 @@
           <p:cNvPr id="8" name="Subtítulo 7">
             <a:extLst>
               <a:ext uri="{FF2B5EF4-FFF2-40B4-BE49-F238E27FC236}">
-                <a16:creationId xmlns:a16="http://schemas.microsoft.com/office/drawing/2014/main" xmlns="" id="{AB0BE935-3094-4916-936A-0486A700B8DD}"/>
+                <a16:creationId xmlns="" xmlns:a16="http://schemas.microsoft.com/office/drawing/2014/main" id="{AB0BE935-3094-4916-936A-0486A700B8DD}"/>
               </a:ext>
             </a:extLst>
           </p:cNvPr>
@@ -5683,7 +5906,7 @@
           <p:cNvPr id="4" name="Espaço Reservado para Conteúdo 3">
             <a:extLst>
               <a:ext uri="{FF2B5EF4-FFF2-40B4-BE49-F238E27FC236}">
-                <a16:creationId xmlns:a16="http://schemas.microsoft.com/office/drawing/2014/main" xmlns="" id="{660A4861-B26B-4E35-8EC2-A3F9309A8ABE}"/>
+                <a16:creationId xmlns="" xmlns:a16="http://schemas.microsoft.com/office/drawing/2014/main" id="{660A4861-B26B-4E35-8EC2-A3F9309A8ABE}"/>
               </a:ext>
             </a:extLst>
           </p:cNvPr>
@@ -5730,8 +5953,20 @@
             <a:pPr lvl="1"/>
             <a:r>
               <a:rPr lang="pt-BR" dirty="0" smtClean="0"/>
-              <a:t>Facilitar no pagamento</a:t>
-            </a:r>
+              <a:t>Facilitar no </a:t>
+            </a:r>
+            <a:r>
+              <a:rPr lang="pt-BR" dirty="0" smtClean="0"/>
+              <a:t>pagamento</a:t>
+            </a:r>
+          </a:p>
+          <a:p>
+            <a:pPr lvl="1"/>
+            <a:r>
+              <a:rPr lang="pt-BR" dirty="0" smtClean="0"/>
+              <a:t>Mercado do Futuro</a:t>
+            </a:r>
+            <a:endParaRPr lang="pt-BR" dirty="0" smtClean="0"/>
           </a:p>
           <a:p>
             <a:endParaRPr lang="pt-BR" dirty="0" smtClean="0"/>
@@ -5749,7 +5984,7 @@
           <p:cNvPr id="7" name="Título 6">
             <a:extLst>
               <a:ext uri="{FF2B5EF4-FFF2-40B4-BE49-F238E27FC236}">
-                <a16:creationId xmlns:a16="http://schemas.microsoft.com/office/drawing/2014/main" xmlns="" id="{2FB90529-95A9-40E7-BE19-2650B97070DC}"/>
+                <a16:creationId xmlns="" xmlns:a16="http://schemas.microsoft.com/office/drawing/2014/main" id="{2FB90529-95A9-40E7-BE19-2650B97070DC}"/>
               </a:ext>
             </a:extLst>
           </p:cNvPr>
@@ -5903,7 +6138,7 @@
           <p:cNvPr id="4" name="Espaço Reservado para Conteúdo 3">
             <a:extLst>
               <a:ext uri="{FF2B5EF4-FFF2-40B4-BE49-F238E27FC236}">
-                <a16:creationId xmlns:a16="http://schemas.microsoft.com/office/drawing/2014/main" xmlns="" id="{660A4861-B26B-4E35-8EC2-A3F9309A8ABE}"/>
+                <a16:creationId xmlns="" xmlns:a16="http://schemas.microsoft.com/office/drawing/2014/main" id="{660A4861-B26B-4E35-8EC2-A3F9309A8ABE}"/>
               </a:ext>
             </a:extLst>
           </p:cNvPr>
@@ -5953,7 +6188,7 @@
           <p:cNvPr id="7" name="Título 6">
             <a:extLst>
               <a:ext uri="{FF2B5EF4-FFF2-40B4-BE49-F238E27FC236}">
-                <a16:creationId xmlns:a16="http://schemas.microsoft.com/office/drawing/2014/main" xmlns="" id="{2FB90529-95A9-40E7-BE19-2650B97070DC}"/>
+                <a16:creationId xmlns="" xmlns:a16="http://schemas.microsoft.com/office/drawing/2014/main" id="{2FB90529-95A9-40E7-BE19-2650B97070DC}"/>
               </a:ext>
             </a:extLst>
           </p:cNvPr>
@@ -6047,7 +6282,7 @@
           <p:cNvPr id="2" name="Título 1">
             <a:extLst>
               <a:ext uri="{FF2B5EF4-FFF2-40B4-BE49-F238E27FC236}">
-                <a16:creationId xmlns:a16="http://schemas.microsoft.com/office/drawing/2014/main" xmlns="" id="{EABACFD1-EA8B-43F6-AC87-134B2B0CEE04}"/>
+                <a16:creationId xmlns="" xmlns:a16="http://schemas.microsoft.com/office/drawing/2014/main" id="{EABACFD1-EA8B-43F6-AC87-134B2B0CEE04}"/>
               </a:ext>
             </a:extLst>
           </p:cNvPr>
@@ -6077,7 +6312,7 @@
           <p:cNvPr id="3" name="Espaço Reservado para Conteúdo 2">
             <a:extLst>
               <a:ext uri="{FF2B5EF4-FFF2-40B4-BE49-F238E27FC236}">
-                <a16:creationId xmlns:a16="http://schemas.microsoft.com/office/drawing/2014/main" xmlns="" id="{FE3E710C-AF41-42A8-92B7-2C1EE7EAA194}"/>
+                <a16:creationId xmlns="" xmlns:a16="http://schemas.microsoft.com/office/drawing/2014/main" id="{FE3E710C-AF41-42A8-92B7-2C1EE7EAA194}"/>
               </a:ext>
             </a:extLst>
           </p:cNvPr>
@@ -6103,7 +6338,6 @@
               <a:rPr lang="pt-BR" dirty="0" smtClean="0"/>
               <a:t>Trazer informações ao consumidor</a:t>
             </a:r>
-            <a:endParaRPr lang="pt-BR" dirty="0" smtClean="0"/>
           </a:p>
           <a:p>
             <a:r>
@@ -6202,7 +6436,7 @@
             <a:pPr algn="just"/>
             <a:r>
               <a:rPr lang="pt-BR" dirty="0" smtClean="0"/>
-              <a:t>Cronograma</a:t>
+              <a:t>Cronograma Resumido</a:t>
             </a:r>
             <a:endParaRPr lang="pt-BR" dirty="0"/>
           </a:p>
@@ -6234,7 +6468,7 @@
       </p:sp>
       <p:pic>
         <p:nvPicPr>
-          <p:cNvPr id="8" name="Imagem 7"/>
+          <p:cNvPr id="3" name="Imagem 2"/>
           <p:cNvPicPr>
             <a:picLocks noChangeAspect="1"/>
           </p:cNvPicPr>
@@ -6254,8 +6488,8 @@
         </p:blipFill>
         <p:spPr>
           <a:xfrm>
-            <a:off x="80632" y="1417638"/>
-            <a:ext cx="8993941" cy="4938712"/>
+            <a:off x="0" y="1402114"/>
+            <a:ext cx="9144000" cy="4817159"/>
           </a:xfrm>
           <a:prstGeom prst="rect">
             <a:avLst/>
@@ -6312,12 +6546,7 @@
             <p:ph type="title"/>
           </p:nvPr>
         </p:nvSpPr>
-        <p:spPr>
-          <a:xfrm>
-            <a:off x="323527" y="-156629"/>
-            <a:ext cx="7211144" cy="1143000"/>
-          </a:xfrm>
-        </p:spPr>
+        <p:spPr/>
         <p:txBody>
           <a:bodyPr/>
           <a:lstStyle/>
@@ -6325,7 +6554,7 @@
             <a:pPr algn="just"/>
             <a:r>
               <a:rPr lang="pt-BR" dirty="0" smtClean="0"/>
-              <a:t>Fluxo de dados</a:t>
+              <a:t>Cronograma Detalhado</a:t>
             </a:r>
             <a:endParaRPr lang="pt-BR" dirty="0"/>
           </a:p>
@@ -6355,664 +6584,40 @@
           </a:p>
         </p:txBody>
       </p:sp>
-      <p:sp>
-        <p:nvSpPr>
-          <p:cNvPr id="6" name="Fluxograma: Disco magnético 5"/>
-          <p:cNvSpPr/>
+      <p:pic>
+        <p:nvPicPr>
+          <p:cNvPr id="5" name="Imagem 4"/>
+          <p:cNvPicPr>
+            <a:picLocks noChangeAspect="1"/>
+          </p:cNvPicPr>
           <p:nvPr/>
-        </p:nvSpPr>
+        </p:nvPicPr>
+        <p:blipFill>
+          <a:blip r:embed="rId2">
+            <a:extLst>
+              <a:ext uri="{28A0092B-C50C-407E-A947-70E740481C1C}">
+                <a14:useLocalDpi xmlns:a14="http://schemas.microsoft.com/office/drawing/2010/main" val="0"/>
+              </a:ext>
+            </a:extLst>
+          </a:blip>
+          <a:stretch>
+            <a:fillRect/>
+          </a:stretch>
+        </p:blipFill>
         <p:spPr>
           <a:xfrm>
-            <a:off x="7032093" y="4171234"/>
-            <a:ext cx="1152128" cy="1421776"/>
+            <a:off x="0" y="1485172"/>
+            <a:ext cx="9144000" cy="3887656"/>
           </a:xfrm>
-          <a:prstGeom prst="flowChartMagneticDisk">
+          <a:prstGeom prst="rect">
             <a:avLst/>
           </a:prstGeom>
         </p:spPr>
-        <p:style>
-          <a:lnRef idx="2">
-            <a:schemeClr val="accent1">
-              <a:shade val="50000"/>
-            </a:schemeClr>
-          </a:lnRef>
-          <a:fillRef idx="1">
-            <a:schemeClr val="accent1"/>
-          </a:fillRef>
-          <a:effectRef idx="0">
-            <a:schemeClr val="accent1"/>
-          </a:effectRef>
-          <a:fontRef idx="minor">
-            <a:schemeClr val="lt1"/>
-          </a:fontRef>
-        </p:style>
-        <p:txBody>
-          <a:bodyPr rtlCol="0" anchor="ctr"/>
-          <a:lstStyle/>
-          <a:p>
-            <a:pPr algn="ctr"/>
-            <a:r>
-              <a:rPr lang="pt-BR" dirty="0" smtClean="0">
-                <a:solidFill>
-                  <a:schemeClr val="bg1"/>
-                </a:solidFill>
-              </a:rPr>
-              <a:t>BD</a:t>
-            </a:r>
-            <a:endParaRPr lang="pt-BR" dirty="0">
-              <a:solidFill>
-                <a:schemeClr val="bg1"/>
-              </a:solidFill>
-            </a:endParaRPr>
-          </a:p>
-        </p:txBody>
-      </p:sp>
-      <p:sp>
-        <p:nvSpPr>
-          <p:cNvPr id="11" name="Retângulo de cantos arredondados 10"/>
-          <p:cNvSpPr/>
-          <p:nvPr/>
-        </p:nvSpPr>
-        <p:spPr>
-          <a:xfrm>
-            <a:off x="3562940" y="1256661"/>
-            <a:ext cx="1525816" cy="648072"/>
-          </a:xfrm>
-          <a:prstGeom prst="roundRect">
-            <a:avLst/>
-          </a:prstGeom>
-        </p:spPr>
-        <p:style>
-          <a:lnRef idx="2">
-            <a:schemeClr val="accent1">
-              <a:shade val="50000"/>
-            </a:schemeClr>
-          </a:lnRef>
-          <a:fillRef idx="1">
-            <a:schemeClr val="accent1"/>
-          </a:fillRef>
-          <a:effectRef idx="0">
-            <a:schemeClr val="accent1"/>
-          </a:effectRef>
-          <a:fontRef idx="minor">
-            <a:schemeClr val="lt1"/>
-          </a:fontRef>
-        </p:style>
-        <p:txBody>
-          <a:bodyPr rtlCol="0" anchor="ctr"/>
-          <a:lstStyle/>
-          <a:p>
-            <a:pPr algn="ctr"/>
-            <a:r>
-              <a:rPr lang="pt-BR" dirty="0" smtClean="0"/>
-              <a:t>Aplicativo</a:t>
-            </a:r>
-            <a:endParaRPr lang="pt-BR" dirty="0"/>
-          </a:p>
-        </p:txBody>
-      </p:sp>
-      <p:sp>
-        <p:nvSpPr>
-          <p:cNvPr id="12" name="Retângulo de cantos arredondados 11"/>
-          <p:cNvSpPr/>
-          <p:nvPr/>
-        </p:nvSpPr>
-        <p:spPr>
-          <a:xfrm>
-            <a:off x="3563888" y="4969050"/>
-            <a:ext cx="1512168" cy="686267"/>
-          </a:xfrm>
-          <a:prstGeom prst="roundRect">
-            <a:avLst>
-              <a:gd name="adj" fmla="val 22219"/>
-            </a:avLst>
-          </a:prstGeom>
-        </p:spPr>
-        <p:style>
-          <a:lnRef idx="2">
-            <a:schemeClr val="accent1">
-              <a:shade val="50000"/>
-            </a:schemeClr>
-          </a:lnRef>
-          <a:fillRef idx="1">
-            <a:schemeClr val="accent1"/>
-          </a:fillRef>
-          <a:effectRef idx="0">
-            <a:schemeClr val="accent1"/>
-          </a:effectRef>
-          <a:fontRef idx="minor">
-            <a:schemeClr val="lt1"/>
-          </a:fontRef>
-        </p:style>
-        <p:txBody>
-          <a:bodyPr rtlCol="0" anchor="ctr"/>
-          <a:lstStyle/>
-          <a:p>
-            <a:pPr algn="ctr"/>
-            <a:r>
-              <a:rPr lang="pt-BR" dirty="0" smtClean="0"/>
-              <a:t>Consumidor</a:t>
-            </a:r>
-            <a:endParaRPr lang="pt-BR" dirty="0"/>
-          </a:p>
-        </p:txBody>
-      </p:sp>
-      <p:sp>
-        <p:nvSpPr>
-          <p:cNvPr id="14" name="Retângulo de cantos arredondados 13"/>
-          <p:cNvSpPr/>
-          <p:nvPr/>
-        </p:nvSpPr>
-        <p:spPr>
-          <a:xfrm>
-            <a:off x="323527" y="3238922"/>
-            <a:ext cx="1525816" cy="648072"/>
-          </a:xfrm>
-          <a:prstGeom prst="roundRect">
-            <a:avLst/>
-          </a:prstGeom>
-        </p:spPr>
-        <p:style>
-          <a:lnRef idx="2">
-            <a:schemeClr val="accent1">
-              <a:shade val="50000"/>
-            </a:schemeClr>
-          </a:lnRef>
-          <a:fillRef idx="1">
-            <a:schemeClr val="accent1"/>
-          </a:fillRef>
-          <a:effectRef idx="0">
-            <a:schemeClr val="accent1"/>
-          </a:effectRef>
-          <a:fontRef idx="minor">
-            <a:schemeClr val="lt1"/>
-          </a:fontRef>
-        </p:style>
-        <p:txBody>
-          <a:bodyPr rtlCol="0" anchor="ctr"/>
-          <a:lstStyle/>
-          <a:p>
-            <a:pPr algn="ctr"/>
-            <a:r>
-              <a:rPr lang="pt-BR" dirty="0" smtClean="0"/>
-              <a:t>Carrinho</a:t>
-            </a:r>
-            <a:endParaRPr lang="pt-BR" dirty="0"/>
-          </a:p>
-        </p:txBody>
-      </p:sp>
-      <p:cxnSp>
-        <p:nvCxnSpPr>
-          <p:cNvPr id="25" name="Conector de seta reta 24"/>
-          <p:cNvCxnSpPr>
-            <a:stCxn id="14" idx="0"/>
-            <a:endCxn id="75" idx="2"/>
-          </p:cNvCxnSpPr>
-          <p:nvPr/>
-        </p:nvCxnSpPr>
-        <p:spPr>
-          <a:xfrm flipV="1">
-            <a:off x="1086435" y="2184295"/>
-            <a:ext cx="0" cy="1054627"/>
-          </a:xfrm>
-          <a:prstGeom prst="straightConnector1">
-            <a:avLst/>
-          </a:prstGeom>
-          <a:ln w="76200">
-            <a:tailEnd type="triangle"/>
-          </a:ln>
-        </p:spPr>
-        <p:style>
-          <a:lnRef idx="2">
-            <a:schemeClr val="accent1"/>
-          </a:lnRef>
-          <a:fillRef idx="0">
-            <a:schemeClr val="accent1"/>
-          </a:fillRef>
-          <a:effectRef idx="1">
-            <a:schemeClr val="accent1"/>
-          </a:effectRef>
-          <a:fontRef idx="minor">
-            <a:schemeClr val="tx1"/>
-          </a:fontRef>
-        </p:style>
-      </p:cxnSp>
-      <p:cxnSp>
-        <p:nvCxnSpPr>
-          <p:cNvPr id="37" name="Conector de seta reta 36"/>
-          <p:cNvCxnSpPr>
-            <a:stCxn id="12" idx="1"/>
-            <a:endCxn id="38" idx="3"/>
-          </p:cNvCxnSpPr>
-          <p:nvPr/>
-        </p:nvCxnSpPr>
-        <p:spPr>
-          <a:xfrm flipH="1" flipV="1">
-            <a:off x="2050749" y="5312183"/>
-            <a:ext cx="1513139" cy="1"/>
-          </a:xfrm>
-          <a:prstGeom prst="straightConnector1">
-            <a:avLst/>
-          </a:prstGeom>
-          <a:ln w="76200">
-            <a:tailEnd type="triangle"/>
-          </a:ln>
-        </p:spPr>
-        <p:style>
-          <a:lnRef idx="2">
-            <a:schemeClr val="accent1"/>
-          </a:lnRef>
-          <a:fillRef idx="0">
-            <a:schemeClr val="accent1"/>
-          </a:fillRef>
-          <a:effectRef idx="1">
-            <a:schemeClr val="accent1"/>
-          </a:effectRef>
-          <a:fontRef idx="minor">
-            <a:schemeClr val="tx1"/>
-          </a:fontRef>
-        </p:style>
-      </p:cxnSp>
-      <p:sp>
-        <p:nvSpPr>
-          <p:cNvPr id="38" name="Losango 37"/>
-          <p:cNvSpPr/>
-          <p:nvPr/>
-        </p:nvSpPr>
-        <p:spPr>
-          <a:xfrm>
-            <a:off x="122122" y="4725142"/>
-            <a:ext cx="1928627" cy="1174081"/>
-          </a:xfrm>
-          <a:prstGeom prst="diamond">
-            <a:avLst/>
-          </a:prstGeom>
-        </p:spPr>
-        <p:style>
-          <a:lnRef idx="2">
-            <a:schemeClr val="accent1">
-              <a:shade val="50000"/>
-            </a:schemeClr>
-          </a:lnRef>
-          <a:fillRef idx="1">
-            <a:schemeClr val="accent1"/>
-          </a:fillRef>
-          <a:effectRef idx="0">
-            <a:schemeClr val="accent1"/>
-          </a:effectRef>
-          <a:fontRef idx="minor">
-            <a:schemeClr val="lt1"/>
-          </a:fontRef>
-        </p:style>
-        <p:txBody>
-          <a:bodyPr rtlCol="0" anchor="ctr"/>
-          <a:lstStyle/>
-          <a:p>
-            <a:pPr algn="ctr"/>
-            <a:r>
-              <a:rPr lang="pt-BR" dirty="0" smtClean="0"/>
-              <a:t>Coloca Produto</a:t>
-            </a:r>
-            <a:endParaRPr lang="pt-BR" dirty="0"/>
-          </a:p>
-        </p:txBody>
-      </p:sp>
-      <p:cxnSp>
-        <p:nvCxnSpPr>
-          <p:cNvPr id="41" name="Conector de seta reta 40"/>
-          <p:cNvCxnSpPr>
-            <a:stCxn id="38" idx="0"/>
-            <a:endCxn id="14" idx="2"/>
-          </p:cNvCxnSpPr>
-          <p:nvPr/>
-        </p:nvCxnSpPr>
-        <p:spPr>
-          <a:xfrm flipH="1" flipV="1">
-            <a:off x="1086435" y="3886994"/>
-            <a:ext cx="1" cy="838148"/>
-          </a:xfrm>
-          <a:prstGeom prst="straightConnector1">
-            <a:avLst/>
-          </a:prstGeom>
-          <a:ln w="76200">
-            <a:tailEnd type="triangle"/>
-          </a:ln>
-        </p:spPr>
-        <p:style>
-          <a:lnRef idx="2">
-            <a:schemeClr val="accent1"/>
-          </a:lnRef>
-          <a:fillRef idx="0">
-            <a:schemeClr val="accent1"/>
-          </a:fillRef>
-          <a:effectRef idx="1">
-            <a:schemeClr val="accent1"/>
-          </a:effectRef>
-          <a:fontRef idx="minor">
-            <a:schemeClr val="tx1"/>
-          </a:fontRef>
-        </p:style>
-      </p:cxnSp>
-      <p:sp>
-        <p:nvSpPr>
-          <p:cNvPr id="75" name="Losango 74"/>
-          <p:cNvSpPr/>
-          <p:nvPr/>
-        </p:nvSpPr>
-        <p:spPr>
-          <a:xfrm>
-            <a:off x="206293" y="976987"/>
-            <a:ext cx="1760284" cy="1207308"/>
-          </a:xfrm>
-          <a:prstGeom prst="diamond">
-            <a:avLst/>
-          </a:prstGeom>
-        </p:spPr>
-        <p:style>
-          <a:lnRef idx="2">
-            <a:schemeClr val="accent1">
-              <a:shade val="50000"/>
-            </a:schemeClr>
-          </a:lnRef>
-          <a:fillRef idx="1">
-            <a:schemeClr val="accent1"/>
-          </a:fillRef>
-          <a:effectRef idx="0">
-            <a:schemeClr val="accent1"/>
-          </a:effectRef>
-          <a:fontRef idx="minor">
-            <a:schemeClr val="lt1"/>
-          </a:fontRef>
-        </p:style>
-        <p:txBody>
-          <a:bodyPr rtlCol="0" anchor="ctr"/>
-          <a:lstStyle/>
-          <a:p>
-            <a:pPr algn="ctr"/>
-            <a:r>
-              <a:rPr lang="pt-BR" dirty="0" smtClean="0"/>
-              <a:t>Envia os Dados</a:t>
-            </a:r>
-            <a:endParaRPr lang="pt-BR" dirty="0"/>
-          </a:p>
-        </p:txBody>
-      </p:sp>
-      <p:cxnSp>
-        <p:nvCxnSpPr>
-          <p:cNvPr id="90" name="Conector de seta reta 89"/>
-          <p:cNvCxnSpPr>
-            <a:stCxn id="75" idx="3"/>
-            <a:endCxn id="11" idx="1"/>
-          </p:cNvCxnSpPr>
-          <p:nvPr/>
-        </p:nvCxnSpPr>
-        <p:spPr>
-          <a:xfrm>
-            <a:off x="1966577" y="1580641"/>
-            <a:ext cx="1596363" cy="56"/>
-          </a:xfrm>
-          <a:prstGeom prst="straightConnector1">
-            <a:avLst/>
-          </a:prstGeom>
-          <a:ln w="76200">
-            <a:tailEnd type="triangle"/>
-          </a:ln>
-        </p:spPr>
-        <p:style>
-          <a:lnRef idx="2">
-            <a:schemeClr val="accent1"/>
-          </a:lnRef>
-          <a:fillRef idx="0">
-            <a:schemeClr val="accent1"/>
-          </a:fillRef>
-          <a:effectRef idx="1">
-            <a:schemeClr val="accent1"/>
-          </a:effectRef>
-          <a:fontRef idx="minor">
-            <a:schemeClr val="tx1"/>
-          </a:fontRef>
-        </p:style>
-      </p:cxnSp>
-      <p:sp>
-        <p:nvSpPr>
-          <p:cNvPr id="105" name="Losango 104"/>
-          <p:cNvSpPr/>
-          <p:nvPr/>
-        </p:nvSpPr>
-        <p:spPr>
-          <a:xfrm>
-            <a:off x="6178895" y="883648"/>
-            <a:ext cx="1656184" cy="1394098"/>
-          </a:xfrm>
-          <a:prstGeom prst="diamond">
-            <a:avLst/>
-          </a:prstGeom>
-        </p:spPr>
-        <p:style>
-          <a:lnRef idx="2">
-            <a:schemeClr val="accent1">
-              <a:shade val="50000"/>
-            </a:schemeClr>
-          </a:lnRef>
-          <a:fillRef idx="1">
-            <a:schemeClr val="accent1"/>
-          </a:fillRef>
-          <a:effectRef idx="0">
-            <a:schemeClr val="accent1"/>
-          </a:effectRef>
-          <a:fontRef idx="minor">
-            <a:schemeClr val="lt1"/>
-          </a:fontRef>
-        </p:style>
-        <p:txBody>
-          <a:bodyPr rtlCol="0" anchor="ctr"/>
-          <a:lstStyle/>
-          <a:p>
-            <a:pPr algn="ctr"/>
-            <a:r>
-              <a:rPr lang="pt-BR" sz="1600" dirty="0" smtClean="0"/>
-              <a:t>Verifica Dados</a:t>
-            </a:r>
-            <a:endParaRPr lang="pt-BR" sz="1600" dirty="0"/>
-          </a:p>
-        </p:txBody>
-      </p:sp>
-      <p:cxnSp>
-        <p:nvCxnSpPr>
-          <p:cNvPr id="110" name="Conector angulado 109"/>
-          <p:cNvCxnSpPr>
-            <a:stCxn id="105" idx="2"/>
-            <a:endCxn id="6" idx="1"/>
-          </p:cNvCxnSpPr>
-          <p:nvPr/>
-        </p:nvCxnSpPr>
-        <p:spPr>
-          <a:xfrm rot="16200000" flipH="1">
-            <a:off x="6360828" y="2923905"/>
-            <a:ext cx="1893488" cy="601170"/>
-          </a:xfrm>
-          <a:prstGeom prst="bentConnector3">
-            <a:avLst/>
-          </a:prstGeom>
-          <a:ln w="76200">
-            <a:headEnd type="triangle"/>
-            <a:tailEnd type="triangle"/>
-          </a:ln>
-        </p:spPr>
-        <p:style>
-          <a:lnRef idx="2">
-            <a:schemeClr val="accent1"/>
-          </a:lnRef>
-          <a:fillRef idx="0">
-            <a:schemeClr val="accent1"/>
-          </a:fillRef>
-          <a:effectRef idx="1">
-            <a:schemeClr val="accent1"/>
-          </a:effectRef>
-          <a:fontRef idx="minor">
-            <a:schemeClr val="tx1"/>
-          </a:fontRef>
-        </p:style>
-      </p:cxnSp>
-      <p:sp>
-        <p:nvSpPr>
-          <p:cNvPr id="114" name="Losango 113"/>
-          <p:cNvSpPr/>
-          <p:nvPr/>
-        </p:nvSpPr>
-        <p:spPr>
-          <a:xfrm>
-            <a:off x="3347390" y="2777136"/>
-            <a:ext cx="1945164" cy="1394098"/>
-          </a:xfrm>
-          <a:prstGeom prst="diamond">
-            <a:avLst/>
-          </a:prstGeom>
-        </p:spPr>
-        <p:style>
-          <a:lnRef idx="2">
-            <a:schemeClr val="accent1">
-              <a:shade val="50000"/>
-            </a:schemeClr>
-          </a:lnRef>
-          <a:fillRef idx="1">
-            <a:schemeClr val="accent1"/>
-          </a:fillRef>
-          <a:effectRef idx="0">
-            <a:schemeClr val="accent1"/>
-          </a:effectRef>
-          <a:fontRef idx="minor">
-            <a:schemeClr val="lt1"/>
-          </a:fontRef>
-        </p:style>
-        <p:txBody>
-          <a:bodyPr rtlCol="0" anchor="ctr"/>
-          <a:lstStyle/>
-          <a:p>
-            <a:pPr algn="ctr"/>
-            <a:r>
-              <a:rPr lang="pt-BR" dirty="0" smtClean="0"/>
-              <a:t>Interage</a:t>
-            </a:r>
-            <a:endParaRPr lang="pt-BR" dirty="0"/>
-          </a:p>
-        </p:txBody>
-      </p:sp>
-      <p:cxnSp>
-        <p:nvCxnSpPr>
-          <p:cNvPr id="123" name="Conector de seta reta 122"/>
-          <p:cNvCxnSpPr>
-            <a:stCxn id="11" idx="2"/>
-            <a:endCxn id="114" idx="0"/>
-          </p:cNvCxnSpPr>
-          <p:nvPr/>
-        </p:nvCxnSpPr>
-        <p:spPr>
-          <a:xfrm flipH="1">
-            <a:off x="4319972" y="1904733"/>
-            <a:ext cx="5876" cy="872403"/>
-          </a:xfrm>
-          <a:prstGeom prst="straightConnector1">
-            <a:avLst/>
-          </a:prstGeom>
-          <a:ln w="76200">
-            <a:headEnd type="triangle"/>
-            <a:tailEnd type="triangle"/>
-          </a:ln>
-        </p:spPr>
-        <p:style>
-          <a:lnRef idx="2">
-            <a:schemeClr val="accent1"/>
-          </a:lnRef>
-          <a:fillRef idx="0">
-            <a:schemeClr val="accent1"/>
-          </a:fillRef>
-          <a:effectRef idx="1">
-            <a:schemeClr val="accent1"/>
-          </a:effectRef>
-          <a:fontRef idx="minor">
-            <a:schemeClr val="tx1"/>
-          </a:fontRef>
-        </p:style>
-      </p:cxnSp>
-      <p:cxnSp>
-        <p:nvCxnSpPr>
-          <p:cNvPr id="125" name="Conector de seta reta 124"/>
-          <p:cNvCxnSpPr>
-            <a:stCxn id="114" idx="2"/>
-            <a:endCxn id="12" idx="0"/>
-          </p:cNvCxnSpPr>
-          <p:nvPr/>
-        </p:nvCxnSpPr>
-        <p:spPr>
-          <a:xfrm>
-            <a:off x="4319972" y="4171234"/>
-            <a:ext cx="0" cy="797816"/>
-          </a:xfrm>
-          <a:prstGeom prst="straightConnector1">
-            <a:avLst/>
-          </a:prstGeom>
-          <a:ln w="76200">
-            <a:headEnd type="triangle"/>
-            <a:tailEnd type="triangle"/>
-          </a:ln>
-        </p:spPr>
-        <p:style>
-          <a:lnRef idx="2">
-            <a:schemeClr val="accent1"/>
-          </a:lnRef>
-          <a:fillRef idx="0">
-            <a:schemeClr val="accent1"/>
-          </a:fillRef>
-          <a:effectRef idx="1">
-            <a:schemeClr val="accent1"/>
-          </a:effectRef>
-          <a:fontRef idx="minor">
-            <a:schemeClr val="tx1"/>
-          </a:fontRef>
-        </p:style>
-      </p:cxnSp>
-      <p:cxnSp>
-        <p:nvCxnSpPr>
-          <p:cNvPr id="131" name="Conector de seta reta 130"/>
-          <p:cNvCxnSpPr>
-            <a:stCxn id="11" idx="3"/>
-            <a:endCxn id="105" idx="1"/>
-          </p:cNvCxnSpPr>
-          <p:nvPr/>
-        </p:nvCxnSpPr>
-        <p:spPr>
-          <a:xfrm>
-            <a:off x="5088756" y="1580697"/>
-            <a:ext cx="1090139" cy="0"/>
-          </a:xfrm>
-          <a:prstGeom prst="straightConnector1">
-            <a:avLst/>
-          </a:prstGeom>
-          <a:ln w="76200">
-            <a:headEnd type="triangle"/>
-            <a:tailEnd type="triangle"/>
-          </a:ln>
-        </p:spPr>
-        <p:style>
-          <a:lnRef idx="2">
-            <a:schemeClr val="accent1"/>
-          </a:lnRef>
-          <a:fillRef idx="0">
-            <a:schemeClr val="accent1"/>
-          </a:fillRef>
-          <a:effectRef idx="1">
-            <a:schemeClr val="accent1"/>
-          </a:effectRef>
-          <a:fontRef idx="minor">
-            <a:schemeClr val="tx1"/>
-          </a:fontRef>
-        </p:style>
-      </p:cxnSp>
+      </p:pic>
     </p:spTree>
     <p:extLst>
       <p:ext uri="{BB962C8B-B14F-4D97-AF65-F5344CB8AC3E}">
-        <p14:creationId xmlns:p14="http://schemas.microsoft.com/office/powerpoint/2010/main" val="1188001478"/>
+        <p14:creationId xmlns:p14="http://schemas.microsoft.com/office/powerpoint/2010/main" val="3150873659"/>
       </p:ext>
     </p:extLst>
   </p:cSld>
@@ -7059,74 +6664,22 @@
             <p:ph type="title"/>
           </p:nvPr>
         </p:nvSpPr>
-        <p:spPr/>
+        <p:spPr>
+          <a:xfrm>
+            <a:off x="323527" y="-156629"/>
+            <a:ext cx="7211144" cy="1143000"/>
+          </a:xfrm>
+        </p:spPr>
         <p:txBody>
           <a:bodyPr/>
           <a:lstStyle/>
           <a:p>
             <a:pPr algn="just"/>
             <a:r>
-              <a:rPr lang="pt-BR" dirty="0" smtClean="0"/>
-              <a:t>Tecnologias empregadas</a:t>
-            </a:r>
-            <a:endParaRPr lang="pt-BR" dirty="0"/>
-          </a:p>
-        </p:txBody>
-      </p:sp>
-      <p:sp>
-        <p:nvSpPr>
-          <p:cNvPr id="3" name="Espaço Reservado para Conteúdo 2"/>
-          <p:cNvSpPr>
-            <a:spLocks noGrp="1"/>
-          </p:cNvSpPr>
-          <p:nvPr>
-            <p:ph idx="1"/>
-          </p:nvPr>
-        </p:nvSpPr>
-        <p:spPr/>
-        <p:txBody>
-          <a:bodyPr/>
-          <a:lstStyle/>
-          <a:p>
-            <a:pPr algn="just"/>
-            <a:r>
-              <a:rPr lang="pt-BR" dirty="0" smtClean="0"/>
-              <a:t>RFID(“</a:t>
-            </a:r>
-            <a:r>
-              <a:rPr lang="pt-BR" i="1" dirty="0"/>
-              <a:t>Radio Frequency Identification</a:t>
-            </a:r>
-            <a:r>
-              <a:rPr lang="pt-BR" dirty="0" smtClean="0"/>
-              <a:t>”)</a:t>
-            </a:r>
-          </a:p>
-          <a:p>
-            <a:pPr algn="just"/>
-            <a:r>
-              <a:rPr lang="pt-BR" dirty="0" smtClean="0"/>
-              <a:t>Programação Arduino.</a:t>
-            </a:r>
-          </a:p>
-          <a:p>
-            <a:pPr algn="just"/>
-            <a:r>
-              <a:rPr lang="pt-BR" dirty="0" smtClean="0"/>
-              <a:t>Desenvolvimento Android.</a:t>
-            </a:r>
-          </a:p>
-          <a:p>
-            <a:pPr algn="just"/>
-            <a:r>
-              <a:rPr lang="pt-BR" dirty="0" smtClean="0"/>
-              <a:t>Criação e manipulação de banco de </a:t>
-            </a:r>
-            <a:r>
-              <a:rPr lang="pt-BR" smtClean="0"/>
-              <a:t>dados.</a:t>
-            </a:r>
-            <a:endParaRPr lang="pt-BR" dirty="0"/>
+              <a:rPr lang="pt-BR" b="1" dirty="0" smtClean="0"/>
+              <a:t>Fluxo de dados</a:t>
+            </a:r>
+            <a:endParaRPr lang="pt-BR" b="1" dirty="0"/>
           </a:p>
         </p:txBody>
       </p:sp>
@@ -7154,10 +6707,550 @@
           </a:p>
         </p:txBody>
       </p:sp>
+      <p:pic>
+        <p:nvPicPr>
+          <p:cNvPr id="3" name="Imagem 2"/>
+          <p:cNvPicPr>
+            <a:picLocks noChangeAspect="1"/>
+          </p:cNvPicPr>
+          <p:nvPr/>
+        </p:nvPicPr>
+        <p:blipFill>
+          <a:blip r:embed="rId2" cstate="print">
+            <a:extLst>
+              <a:ext uri="{28A0092B-C50C-407E-A947-70E740481C1C}">
+                <a14:useLocalDpi xmlns:a14="http://schemas.microsoft.com/office/drawing/2010/main" val="0"/>
+              </a:ext>
+            </a:extLst>
+          </a:blip>
+          <a:stretch>
+            <a:fillRect/>
+          </a:stretch>
+        </p:blipFill>
+        <p:spPr>
+          <a:xfrm>
+            <a:off x="3635895" y="1312937"/>
+            <a:ext cx="1728192" cy="1728192"/>
+          </a:xfrm>
+          <a:prstGeom prst="rect">
+            <a:avLst/>
+          </a:prstGeom>
+        </p:spPr>
+      </p:pic>
+      <p:pic>
+        <p:nvPicPr>
+          <p:cNvPr id="5" name="Imagem 4"/>
+          <p:cNvPicPr>
+            <a:picLocks noChangeAspect="1"/>
+          </p:cNvPicPr>
+          <p:nvPr/>
+        </p:nvPicPr>
+        <p:blipFill>
+          <a:blip r:embed="rId3" cstate="print">
+            <a:extLst>
+              <a:ext uri="{28A0092B-C50C-407E-A947-70E740481C1C}">
+                <a14:useLocalDpi xmlns:a14="http://schemas.microsoft.com/office/drawing/2010/main" val="0"/>
+              </a:ext>
+            </a:extLst>
+          </a:blip>
+          <a:stretch>
+            <a:fillRect/>
+          </a:stretch>
+        </p:blipFill>
+        <p:spPr>
+          <a:xfrm>
+            <a:off x="251520" y="1466278"/>
+            <a:ext cx="1480778" cy="1480778"/>
+          </a:xfrm>
+          <a:prstGeom prst="rect">
+            <a:avLst/>
+          </a:prstGeom>
+        </p:spPr>
+      </p:pic>
+      <p:pic>
+        <p:nvPicPr>
+          <p:cNvPr id="6" name="Imagem 5"/>
+          <p:cNvPicPr>
+            <a:picLocks noChangeAspect="1"/>
+          </p:cNvPicPr>
+          <p:nvPr/>
+        </p:nvPicPr>
+        <p:blipFill>
+          <a:blip r:embed="rId4">
+            <a:extLst>
+              <a:ext uri="{28A0092B-C50C-407E-A947-70E740481C1C}">
+                <a14:useLocalDpi xmlns:a14="http://schemas.microsoft.com/office/drawing/2010/main" val="0"/>
+              </a:ext>
+            </a:extLst>
+          </a:blip>
+          <a:stretch>
+            <a:fillRect/>
+          </a:stretch>
+        </p:blipFill>
+        <p:spPr>
+          <a:xfrm>
+            <a:off x="6862822" y="1400640"/>
+            <a:ext cx="1800200" cy="1800200"/>
+          </a:xfrm>
+          <a:prstGeom prst="rect">
+            <a:avLst/>
+          </a:prstGeom>
+        </p:spPr>
+      </p:pic>
+      <p:pic>
+        <p:nvPicPr>
+          <p:cNvPr id="7" name="Imagem 6"/>
+          <p:cNvPicPr>
+            <a:picLocks noChangeAspect="1"/>
+          </p:cNvPicPr>
+          <p:nvPr/>
+        </p:nvPicPr>
+        <p:blipFill>
+          <a:blip r:embed="rId5" cstate="print">
+            <a:extLst>
+              <a:ext uri="{28A0092B-C50C-407E-A947-70E740481C1C}">
+                <a14:useLocalDpi xmlns:a14="http://schemas.microsoft.com/office/drawing/2010/main" val="0"/>
+              </a:ext>
+            </a:extLst>
+          </a:blip>
+          <a:stretch>
+            <a:fillRect/>
+          </a:stretch>
+        </p:blipFill>
+        <p:spPr>
+          <a:xfrm>
+            <a:off x="251520" y="4509120"/>
+            <a:ext cx="1401488" cy="1401488"/>
+          </a:xfrm>
+          <a:prstGeom prst="rect">
+            <a:avLst/>
+          </a:prstGeom>
+        </p:spPr>
+      </p:pic>
+      <p:pic>
+        <p:nvPicPr>
+          <p:cNvPr id="8" name="Imagem 7"/>
+          <p:cNvPicPr>
+            <a:picLocks noChangeAspect="1"/>
+          </p:cNvPicPr>
+          <p:nvPr/>
+        </p:nvPicPr>
+        <p:blipFill>
+          <a:blip r:embed="rId6" cstate="print">
+            <a:extLst>
+              <a:ext uri="{28A0092B-C50C-407E-A947-70E740481C1C}">
+                <a14:useLocalDpi xmlns:a14="http://schemas.microsoft.com/office/drawing/2010/main" val="0"/>
+              </a:ext>
+            </a:extLst>
+          </a:blip>
+          <a:stretch>
+            <a:fillRect/>
+          </a:stretch>
+        </p:blipFill>
+        <p:spPr>
+          <a:xfrm>
+            <a:off x="3125921" y="3608211"/>
+            <a:ext cx="2748139" cy="2748139"/>
+          </a:xfrm>
+          <a:prstGeom prst="rect">
+            <a:avLst/>
+          </a:prstGeom>
+        </p:spPr>
+      </p:pic>
+      <p:pic>
+        <p:nvPicPr>
+          <p:cNvPr id="9" name="Imagem 8"/>
+          <p:cNvPicPr>
+            <a:picLocks noChangeAspect="1"/>
+          </p:cNvPicPr>
+          <p:nvPr/>
+        </p:nvPicPr>
+        <p:blipFill>
+          <a:blip r:embed="rId7" cstate="print">
+            <a:extLst>
+              <a:ext uri="{28A0092B-C50C-407E-A947-70E740481C1C}">
+                <a14:useLocalDpi xmlns:a14="http://schemas.microsoft.com/office/drawing/2010/main" val="0"/>
+              </a:ext>
+            </a:extLst>
+          </a:blip>
+          <a:stretch>
+            <a:fillRect/>
+          </a:stretch>
+        </p:blipFill>
+        <p:spPr>
+          <a:xfrm>
+            <a:off x="6899992" y="4119350"/>
+            <a:ext cx="1725859" cy="1725859"/>
+          </a:xfrm>
+          <a:prstGeom prst="rect">
+            <a:avLst/>
+          </a:prstGeom>
+        </p:spPr>
+      </p:pic>
+      <p:sp>
+        <p:nvSpPr>
+          <p:cNvPr id="10" name="Seta para a direita 9"/>
+          <p:cNvSpPr/>
+          <p:nvPr/>
+        </p:nvSpPr>
+        <p:spPr>
+          <a:xfrm>
+            <a:off x="5099793" y="2090331"/>
+            <a:ext cx="1800199" cy="315863"/>
+          </a:xfrm>
+          <a:prstGeom prst="rightArrow">
+            <a:avLst/>
+          </a:prstGeom>
+        </p:spPr>
+        <p:style>
+          <a:lnRef idx="2">
+            <a:schemeClr val="accent3">
+              <a:shade val="50000"/>
+            </a:schemeClr>
+          </a:lnRef>
+          <a:fillRef idx="1">
+            <a:schemeClr val="accent3"/>
+          </a:fillRef>
+          <a:effectRef idx="0">
+            <a:schemeClr val="accent3"/>
+          </a:effectRef>
+          <a:fontRef idx="minor">
+            <a:schemeClr val="lt1"/>
+          </a:fontRef>
+        </p:style>
+        <p:txBody>
+          <a:bodyPr rtlCol="0" anchor="ctr"/>
+          <a:lstStyle/>
+          <a:p>
+            <a:pPr algn="ctr"/>
+            <a:endParaRPr lang="pt-BR"/>
+          </a:p>
+        </p:txBody>
+      </p:sp>
+      <p:sp>
+        <p:nvSpPr>
+          <p:cNvPr id="12" name="Seta para a direita 11"/>
+          <p:cNvSpPr/>
+          <p:nvPr/>
+        </p:nvSpPr>
+        <p:spPr>
+          <a:xfrm rot="5400000">
+            <a:off x="7266495" y="3502164"/>
+            <a:ext cx="918512" cy="315863"/>
+          </a:xfrm>
+          <a:prstGeom prst="rightArrow">
+            <a:avLst/>
+          </a:prstGeom>
+        </p:spPr>
+        <p:style>
+          <a:lnRef idx="2">
+            <a:schemeClr val="accent3">
+              <a:shade val="50000"/>
+            </a:schemeClr>
+          </a:lnRef>
+          <a:fillRef idx="1">
+            <a:schemeClr val="accent3"/>
+          </a:fillRef>
+          <a:effectRef idx="0">
+            <a:schemeClr val="accent3"/>
+          </a:effectRef>
+          <a:fontRef idx="minor">
+            <a:schemeClr val="lt1"/>
+          </a:fontRef>
+        </p:style>
+        <p:txBody>
+          <a:bodyPr rtlCol="0" anchor="ctr"/>
+          <a:lstStyle/>
+          <a:p>
+            <a:pPr algn="ctr"/>
+            <a:endParaRPr lang="pt-BR"/>
+          </a:p>
+        </p:txBody>
+      </p:sp>
+      <p:sp>
+        <p:nvSpPr>
+          <p:cNvPr id="13" name="Seta para a direita 12"/>
+          <p:cNvSpPr/>
+          <p:nvPr/>
+        </p:nvSpPr>
+        <p:spPr>
+          <a:xfrm rot="8801282">
+            <a:off x="5345046" y="3308245"/>
+            <a:ext cx="1800199" cy="315863"/>
+          </a:xfrm>
+          <a:prstGeom prst="rightArrow">
+            <a:avLst/>
+          </a:prstGeom>
+        </p:spPr>
+        <p:style>
+          <a:lnRef idx="2">
+            <a:schemeClr val="accent3">
+              <a:shade val="50000"/>
+            </a:schemeClr>
+          </a:lnRef>
+          <a:fillRef idx="1">
+            <a:schemeClr val="accent3"/>
+          </a:fillRef>
+          <a:effectRef idx="0">
+            <a:schemeClr val="accent3"/>
+          </a:effectRef>
+          <a:fontRef idx="minor">
+            <a:schemeClr val="lt1"/>
+          </a:fontRef>
+        </p:style>
+        <p:txBody>
+          <a:bodyPr rtlCol="0" anchor="ctr"/>
+          <a:lstStyle/>
+          <a:p>
+            <a:pPr algn="ctr"/>
+            <a:endParaRPr lang="pt-BR"/>
+          </a:p>
+        </p:txBody>
+      </p:sp>
+      <p:sp>
+        <p:nvSpPr>
+          <p:cNvPr id="14" name="Seta para a direita 13"/>
+          <p:cNvSpPr/>
+          <p:nvPr/>
+        </p:nvSpPr>
+        <p:spPr>
+          <a:xfrm rot="10800000">
+            <a:off x="1599788" y="4824347"/>
+            <a:ext cx="1800199" cy="315863"/>
+          </a:xfrm>
+          <a:prstGeom prst="rightArrow">
+            <a:avLst/>
+          </a:prstGeom>
+        </p:spPr>
+        <p:style>
+          <a:lnRef idx="2">
+            <a:schemeClr val="accent3">
+              <a:shade val="50000"/>
+            </a:schemeClr>
+          </a:lnRef>
+          <a:fillRef idx="1">
+            <a:schemeClr val="accent3"/>
+          </a:fillRef>
+          <a:effectRef idx="0">
+            <a:schemeClr val="accent3"/>
+          </a:effectRef>
+          <a:fontRef idx="minor">
+            <a:schemeClr val="lt1"/>
+          </a:fontRef>
+        </p:style>
+        <p:txBody>
+          <a:bodyPr rtlCol="0" anchor="ctr"/>
+          <a:lstStyle/>
+          <a:p>
+            <a:pPr algn="ctr"/>
+            <a:endParaRPr lang="pt-BR"/>
+          </a:p>
+        </p:txBody>
+      </p:sp>
+      <p:sp>
+        <p:nvSpPr>
+          <p:cNvPr id="15" name="Seta para a direita 14"/>
+          <p:cNvSpPr/>
+          <p:nvPr/>
+        </p:nvSpPr>
+        <p:spPr>
+          <a:xfrm>
+            <a:off x="1986428" y="2318875"/>
+            <a:ext cx="1800199" cy="315863"/>
+          </a:xfrm>
+          <a:prstGeom prst="rightArrow">
+            <a:avLst/>
+          </a:prstGeom>
+        </p:spPr>
+        <p:style>
+          <a:lnRef idx="2">
+            <a:schemeClr val="accent3">
+              <a:shade val="50000"/>
+            </a:schemeClr>
+          </a:lnRef>
+          <a:fillRef idx="1">
+            <a:schemeClr val="accent3"/>
+          </a:fillRef>
+          <a:effectRef idx="0">
+            <a:schemeClr val="accent3"/>
+          </a:effectRef>
+          <a:fontRef idx="minor">
+            <a:schemeClr val="lt1"/>
+          </a:fontRef>
+        </p:style>
+        <p:txBody>
+          <a:bodyPr rtlCol="0" anchor="ctr"/>
+          <a:lstStyle/>
+          <a:p>
+            <a:pPr algn="ctr"/>
+            <a:endParaRPr lang="pt-BR"/>
+          </a:p>
+        </p:txBody>
+      </p:sp>
+      <p:sp>
+        <p:nvSpPr>
+          <p:cNvPr id="16" name="Seta para a direita 15"/>
+          <p:cNvSpPr/>
+          <p:nvPr/>
+        </p:nvSpPr>
+        <p:spPr>
+          <a:xfrm rot="10800000">
+            <a:off x="1986428" y="1834377"/>
+            <a:ext cx="1800199" cy="315863"/>
+          </a:xfrm>
+          <a:prstGeom prst="rightArrow">
+            <a:avLst/>
+          </a:prstGeom>
+        </p:spPr>
+        <p:style>
+          <a:lnRef idx="2">
+            <a:schemeClr val="accent3">
+              <a:shade val="50000"/>
+            </a:schemeClr>
+          </a:lnRef>
+          <a:fillRef idx="1">
+            <a:schemeClr val="accent3"/>
+          </a:fillRef>
+          <a:effectRef idx="0">
+            <a:schemeClr val="accent3"/>
+          </a:effectRef>
+          <a:fontRef idx="minor">
+            <a:schemeClr val="lt1"/>
+          </a:fontRef>
+        </p:style>
+        <p:txBody>
+          <a:bodyPr rtlCol="0" anchor="ctr"/>
+          <a:lstStyle/>
+          <a:p>
+            <a:pPr algn="ctr"/>
+            <a:endParaRPr lang="pt-BR"/>
+          </a:p>
+        </p:txBody>
+      </p:sp>
+      <p:sp>
+        <p:nvSpPr>
+          <p:cNvPr id="17" name="Seta para a direita 16"/>
+          <p:cNvSpPr/>
+          <p:nvPr/>
+        </p:nvSpPr>
+        <p:spPr>
+          <a:xfrm rot="5400000">
+            <a:off x="3840854" y="3338144"/>
+            <a:ext cx="909424" cy="353970"/>
+          </a:xfrm>
+          <a:prstGeom prst="rightArrow">
+            <a:avLst/>
+          </a:prstGeom>
+        </p:spPr>
+        <p:style>
+          <a:lnRef idx="2">
+            <a:schemeClr val="accent3">
+              <a:shade val="50000"/>
+            </a:schemeClr>
+          </a:lnRef>
+          <a:fillRef idx="1">
+            <a:schemeClr val="accent3"/>
+          </a:fillRef>
+          <a:effectRef idx="0">
+            <a:schemeClr val="accent3"/>
+          </a:effectRef>
+          <a:fontRef idx="minor">
+            <a:schemeClr val="lt1"/>
+          </a:fontRef>
+        </p:style>
+        <p:txBody>
+          <a:bodyPr rtlCol="0" anchor="ctr"/>
+          <a:lstStyle/>
+          <a:p>
+            <a:pPr algn="ctr"/>
+            <a:endParaRPr lang="pt-BR"/>
+          </a:p>
+        </p:txBody>
+      </p:sp>
+      <p:sp>
+        <p:nvSpPr>
+          <p:cNvPr id="18" name="Seta para a direita 17"/>
+          <p:cNvSpPr/>
+          <p:nvPr/>
+        </p:nvSpPr>
+        <p:spPr>
+          <a:xfrm rot="16200000">
+            <a:off x="4349137" y="3338144"/>
+            <a:ext cx="909424" cy="353970"/>
+          </a:xfrm>
+          <a:prstGeom prst="rightArrow">
+            <a:avLst/>
+          </a:prstGeom>
+        </p:spPr>
+        <p:style>
+          <a:lnRef idx="2">
+            <a:schemeClr val="accent3">
+              <a:shade val="50000"/>
+            </a:schemeClr>
+          </a:lnRef>
+          <a:fillRef idx="1">
+            <a:schemeClr val="accent3"/>
+          </a:fillRef>
+          <a:effectRef idx="0">
+            <a:schemeClr val="accent3"/>
+          </a:effectRef>
+          <a:fontRef idx="minor">
+            <a:schemeClr val="lt1"/>
+          </a:fontRef>
+        </p:style>
+        <p:txBody>
+          <a:bodyPr rtlCol="0" anchor="ctr"/>
+          <a:lstStyle/>
+          <a:p>
+            <a:pPr algn="ctr"/>
+            <a:endParaRPr lang="pt-BR"/>
+          </a:p>
+        </p:txBody>
+      </p:sp>
+      <p:sp>
+        <p:nvSpPr>
+          <p:cNvPr id="19" name="Seta para a direita 18"/>
+          <p:cNvSpPr/>
+          <p:nvPr/>
+        </p:nvSpPr>
+        <p:spPr>
+          <a:xfrm>
+            <a:off x="1653008" y="5320408"/>
+            <a:ext cx="1800199" cy="315863"/>
+          </a:xfrm>
+          <a:prstGeom prst="rightArrow">
+            <a:avLst/>
+          </a:prstGeom>
+        </p:spPr>
+        <p:style>
+          <a:lnRef idx="2">
+            <a:schemeClr val="accent3">
+              <a:shade val="50000"/>
+            </a:schemeClr>
+          </a:lnRef>
+          <a:fillRef idx="1">
+            <a:schemeClr val="accent3"/>
+          </a:fillRef>
+          <a:effectRef idx="0">
+            <a:schemeClr val="accent3"/>
+          </a:effectRef>
+          <a:fontRef idx="minor">
+            <a:schemeClr val="lt1"/>
+          </a:fontRef>
+        </p:style>
+        <p:txBody>
+          <a:bodyPr rtlCol="0" anchor="ctr"/>
+          <a:lstStyle/>
+          <a:p>
+            <a:pPr algn="ctr"/>
+            <a:endParaRPr lang="pt-BR"/>
+          </a:p>
+        </p:txBody>
+      </p:sp>
     </p:spTree>
     <p:extLst>
       <p:ext uri="{BB962C8B-B14F-4D97-AF65-F5344CB8AC3E}">
-        <p14:creationId xmlns:p14="http://schemas.microsoft.com/office/powerpoint/2010/main" val="2521606336"/>
+        <p14:creationId xmlns:p14="http://schemas.microsoft.com/office/powerpoint/2010/main" val="1188001478"/>
       </p:ext>
     </p:extLst>
   </p:cSld>
@@ -7194,36 +7287,6 @@
           <a:chExt cx="0" cy="0"/>
         </a:xfrm>
       </p:grpSpPr>
-      <p:pic>
-        <p:nvPicPr>
-          <p:cNvPr id="5" name="Imagem 4"/>
-          <p:cNvPicPr>
-            <a:picLocks noChangeAspect="1"/>
-          </p:cNvPicPr>
-          <p:nvPr/>
-        </p:nvPicPr>
-        <p:blipFill>
-          <a:blip r:embed="rId2">
-            <a:extLst>
-              <a:ext uri="{28A0092B-C50C-407E-A947-70E740481C1C}">
-                <a14:useLocalDpi xmlns:a14="http://schemas.microsoft.com/office/drawing/2010/main" val="0"/>
-              </a:ext>
-            </a:extLst>
-          </a:blip>
-          <a:stretch>
-            <a:fillRect/>
-          </a:stretch>
-        </p:blipFill>
-        <p:spPr>
-          <a:xfrm>
-            <a:off x="4096477" y="1417638"/>
-            <a:ext cx="2520280" cy="2520280"/>
-          </a:xfrm>
-          <a:prstGeom prst="rect">
-            <a:avLst/>
-          </a:prstGeom>
-        </p:spPr>
-      </p:pic>
       <p:sp>
         <p:nvSpPr>
           <p:cNvPr id="2" name="Título 1"/>
@@ -7242,7 +7305,7 @@
             <a:pPr algn="just"/>
             <a:r>
               <a:rPr lang="pt-BR" dirty="0" smtClean="0"/>
-              <a:t>RFID</a:t>
+              <a:t>Tecnologias empregadas</a:t>
             </a:r>
             <a:endParaRPr lang="pt-BR" dirty="0"/>
           </a:p>
@@ -7258,67 +7321,50 @@
             <p:ph idx="1"/>
           </p:nvPr>
         </p:nvSpPr>
-        <p:spPr>
-          <a:xfrm>
-            <a:off x="457200" y="1600200"/>
-            <a:ext cx="5266928" cy="4525963"/>
-          </a:xfrm>
-        </p:spPr>
-        <p:txBody>
-          <a:bodyPr>
-            <a:normAutofit/>
-          </a:bodyPr>
-          <a:lstStyle/>
-          <a:p>
-            <a:r>
-              <a:rPr lang="pt-BR" sz="2800" dirty="0" smtClean="0"/>
-              <a:t>“</a:t>
-            </a:r>
-            <a:r>
-              <a:rPr lang="pt-BR" sz="2800" i="1" dirty="0" smtClean="0"/>
-              <a:t>Radio </a:t>
-            </a:r>
-            <a:r>
-              <a:rPr lang="pt-BR" sz="2800" i="1" dirty="0"/>
-              <a:t>Frequency </a:t>
-            </a:r>
-            <a:r>
-              <a:rPr lang="pt-BR" sz="2800" i="1" dirty="0" smtClean="0"/>
-              <a:t>Identification</a:t>
-            </a:r>
-            <a:r>
-              <a:rPr lang="pt-BR" sz="2800" dirty="0" smtClean="0"/>
-              <a:t>”</a:t>
-            </a:r>
-          </a:p>
-          <a:p>
-            <a:r>
-              <a:rPr lang="pt-BR" sz="2800" dirty="0" smtClean="0"/>
-              <a:t>Identificador de Radiofrequências</a:t>
-            </a:r>
-          </a:p>
-          <a:p>
-            <a:r>
-              <a:rPr lang="pt-BR" sz="2800" dirty="0" smtClean="0"/>
-              <a:t>Inicio da IOT</a:t>
-            </a:r>
-          </a:p>
-          <a:p>
-            <a:r>
-              <a:rPr lang="pt-BR" sz="2800" dirty="0"/>
-              <a:t>M</a:t>
-            </a:r>
-            <a:r>
-              <a:rPr lang="pt-BR" sz="2800" dirty="0" smtClean="0"/>
-              <a:t>2M</a:t>
-            </a:r>
-          </a:p>
-          <a:p>
-            <a:r>
-              <a:rPr lang="pt-BR" sz="2800" dirty="0" smtClean="0"/>
-              <a:t>Industria 4.0</a:t>
-            </a:r>
-            <a:endParaRPr lang="pt-BR" sz="2800" dirty="0"/>
+        <p:spPr/>
+        <p:txBody>
+          <a:bodyPr/>
+          <a:lstStyle/>
+          <a:p>
+            <a:pPr algn="just"/>
+            <a:r>
+              <a:rPr lang="pt-BR" dirty="0" smtClean="0"/>
+              <a:t>RFID(“</a:t>
+            </a:r>
+            <a:r>
+              <a:rPr lang="pt-BR" i="1" dirty="0"/>
+              <a:t>Radio Frequency Identification</a:t>
+            </a:r>
+            <a:r>
+              <a:rPr lang="pt-BR" dirty="0" smtClean="0"/>
+              <a:t>”)</a:t>
+            </a:r>
+          </a:p>
+          <a:p>
+            <a:pPr algn="just"/>
+            <a:r>
+              <a:rPr lang="pt-BR" dirty="0" smtClean="0"/>
+              <a:t>Programação Arduino.</a:t>
+            </a:r>
+          </a:p>
+          <a:p>
+            <a:pPr algn="just"/>
+            <a:r>
+              <a:rPr lang="pt-BR" dirty="0" smtClean="0"/>
+              <a:t>Desenvolvimento Android.</a:t>
+            </a:r>
+          </a:p>
+          <a:p>
+            <a:pPr algn="just"/>
+            <a:r>
+              <a:rPr lang="pt-BR" dirty="0" smtClean="0"/>
+              <a:t>Criação e manipulação </a:t>
+            </a:r>
+            <a:r>
+              <a:rPr lang="pt-BR" dirty="0" smtClean="0"/>
+              <a:t>MySQL.</a:t>
+            </a:r>
+            <a:endParaRPr lang="pt-BR" dirty="0"/>
           </a:p>
         </p:txBody>
       </p:sp>
@@ -7346,40 +7392,10 @@
           </a:p>
         </p:txBody>
       </p:sp>
-      <p:pic>
-        <p:nvPicPr>
-          <p:cNvPr id="6" name="Imagem 5"/>
-          <p:cNvPicPr>
-            <a:picLocks noChangeAspect="1"/>
-          </p:cNvPicPr>
-          <p:nvPr/>
-        </p:nvPicPr>
-        <p:blipFill>
-          <a:blip r:embed="rId3">
-            <a:extLst>
-              <a:ext uri="{28A0092B-C50C-407E-A947-70E740481C1C}">
-                <a14:useLocalDpi xmlns:a14="http://schemas.microsoft.com/office/drawing/2010/main" val="0"/>
-              </a:ext>
-            </a:extLst>
-          </a:blip>
-          <a:stretch>
-            <a:fillRect/>
-          </a:stretch>
-        </p:blipFill>
-        <p:spPr>
-          <a:xfrm>
-            <a:off x="6160319" y="2560638"/>
-            <a:ext cx="2983681" cy="2983681"/>
-          </a:xfrm>
-          <a:prstGeom prst="rect">
-            <a:avLst/>
-          </a:prstGeom>
-        </p:spPr>
-      </p:pic>
     </p:spTree>
     <p:extLst>
       <p:ext uri="{BB962C8B-B14F-4D97-AF65-F5344CB8AC3E}">
-        <p14:creationId xmlns:p14="http://schemas.microsoft.com/office/powerpoint/2010/main" val="2628033408"/>
+        <p14:creationId xmlns:p14="http://schemas.microsoft.com/office/powerpoint/2010/main" val="2521606336"/>
       </p:ext>
     </p:extLst>
   </p:cSld>
